--- a/ch01_Intro/Ch01_Intro.pptx
+++ b/ch01_Intro/Ch01_Intro.pptx
@@ -3875,9 +3875,12 @@
           <a:lstStyle/>
           <a:p>
             <a:r>
-              <a:rPr lang="en-US" sz="1600" b="1" i="1" dirty="0"/>
-              <a:t>https://www.youtube.com/watch?v=0eWrpsCLMJQ&amp;list=PLC3y8-rFHvwhBRAgFinJR8KHIrCdTkZcZ</a:t>
-            </a:r>
+              <a:rPr lang="en-US" sz="1600">
+                <a:hlinkClick r:id="rId2"/>
+              </a:rPr>
+              <a:t>https://www.youtube.com/watch?v=bV8emCBmFHk&amp;list=PLC3y8-rFHvwilEuCqFGTL5Gt5U6deIrsU&amp;index=1</a:t>
+            </a:r>
+            <a:endParaRPr lang="en-US" sz="1600" b="1" i="1" dirty="0"/>
           </a:p>
         </p:txBody>
       </p:sp>
@@ -4229,7 +4232,7 @@
         </p:nvSpPr>
         <p:spPr>
           <a:xfrm>
-            <a:off x="5615088" y="3685492"/>
+            <a:off x="5615088" y="3789040"/>
             <a:ext cx="1115144" cy="504056"/>
           </a:xfrm>
           <a:prstGeom prst="rect">
@@ -4278,7 +4281,7 @@
         </p:nvSpPr>
         <p:spPr>
           <a:xfrm>
-            <a:off x="5271540" y="4870006"/>
+            <a:off x="5271540" y="4973554"/>
             <a:ext cx="1802241" cy="504056"/>
           </a:xfrm>
           <a:prstGeom prst="rect">
@@ -4331,7 +4334,7 @@
         </p:nvCxnSpPr>
         <p:spPr>
           <a:xfrm>
-            <a:off x="6172660" y="4189548"/>
+            <a:off x="6172660" y="4293096"/>
             <a:ext cx="1" cy="680458"/>
           </a:xfrm>
           <a:prstGeom prst="straightConnector1">
@@ -4645,9 +4648,12 @@
           <a:lstStyle/>
           <a:p>
             <a:r>
-              <a:rPr lang="en-US" sz="1600" b="1" i="1" dirty="0"/>
-              <a:t>https://www.youtube.com/watch?v=0eWrpsCLMJQ&amp;list=PLC3y8-rFHvwhBRAgFinJR8KHIrCdTkZcZ</a:t>
-            </a:r>
+              <a:rPr lang="en-US" sz="1600" dirty="0">
+                <a:hlinkClick r:id="rId2"/>
+              </a:rPr>
+              <a:t>https://www.youtube.com/watch?v=bV8emCBmFHk&amp;list=PLC3y8-rFHvwilEuCqFGTL5Gt5U6deIrsU&amp;index=1</a:t>
+            </a:r>
+            <a:endParaRPr lang="en-US" sz="1600" b="1" i="1" dirty="0"/>
           </a:p>
         </p:txBody>
       </p:sp>
@@ -5184,9 +5190,12 @@
           <a:lstStyle/>
           <a:p>
             <a:r>
-              <a:rPr lang="en-US" sz="1600" b="1" i="1" dirty="0"/>
-              <a:t>https://www.youtube.com/watch?v=0eWrpsCLMJQ&amp;list=PLC3y8-rFHvwhBRAgFinJR8KHIrCdTkZcZ</a:t>
-            </a:r>
+              <a:rPr lang="en-US" sz="1600" dirty="0">
+                <a:hlinkClick r:id="rId2"/>
+              </a:rPr>
+              <a:t>https://www.youtube.com/watch?v=bV8emCBmFHk&amp;list=PLC3y8-rFHvwilEuCqFGTL5Gt5U6deIrsU&amp;index=1</a:t>
+            </a:r>
+            <a:endParaRPr lang="en-US" sz="1600" b="1" i="1" dirty="0"/>
           </a:p>
         </p:txBody>
       </p:sp>
